--- a/ppt/6-18/Yuankui Wang Presentation 18 06 CR.pptx
+++ b/ppt/6-18/Yuankui Wang Presentation 18 06 CR.pptx
@@ -166,16 +166,8 @@
 <p:cmAuthorLst xmlns:a="http://schemas.openxmlformats.org/drawingml/2006/main" xmlns:r="http://schemas.openxmlformats.org/officeDocument/2006/relationships" xmlns:p="http://schemas.openxmlformats.org/presentationml/2006/main">
   <p:cmAuthor id="0" name="RUST Carsten (MORPHO)" initials="CRU" lastIdx="7" clrIdx="0"/>
   <p:cmAuthor id="1" name="WANG Yuankui (MORPHO)" initials="WY(" lastIdx="1" clrIdx="1"/>
+  <p:cmAuthor id="2" name="Kui" initials="K" lastIdx="0" clrIdx="2"/>
 </p:cmAuthorLst>
-</file>
-
-<file path=ppt/comments/comment1.xml><?xml version="1.0" encoding="utf-8"?>
-<p:cmLst xmlns:a="http://schemas.openxmlformats.org/drawingml/2006/main" xmlns:r="http://schemas.openxmlformats.org/officeDocument/2006/relationships" xmlns:p="http://schemas.openxmlformats.org/presentationml/2006/main">
-  <p:cm authorId="0" dt="2014-06-17T09:24:14.020" idx="1">
-    <p:pos x="1219" y="1065"/>
-    <p:text>Other Home Devices ?</p:text>
-  </p:cm>
-</p:cmLst>
 </file>
 
 <file path=ppt/handoutMasters/handoutMaster1.xml><?xml version="1.0" encoding="utf-8"?>
@@ -390,7 +382,7 @@
             <a:fld id="{CC3F8750-1AA1-48A5-A8C8-B89366636632}" type="slidenum">
               <a:rPr lang="de-DE" altLang="zh-CN"/>
               <a:pPr/>
-              <a:t>‹#›</a:t>
+              <a:t>‹Nr.›</a:t>
             </a:fld>
             <a:endParaRPr lang="de-DE" altLang="zh-CN"/>
           </a:p>
@@ -399,7 +391,7 @@
     </p:spTree>
     <p:extLst>
       <p:ext uri="{BB962C8B-B14F-4D97-AF65-F5344CB8AC3E}">
-        <p14:creationId xmlns:p14="http://schemas.microsoft.com/office/powerpoint/2010/main" xmlns="" val="3154177043"/>
+        <p14:creationId xmlns:p14="http://schemas.microsoft.com/office/powerpoint/2010/main" val="3154177043"/>
       </p:ext>
     </p:extLst>
   </p:cSld>
@@ -719,7 +711,7 @@
             <a:fld id="{DF6BEE96-3C94-4F18-B92D-0490DFD7A472}" type="slidenum">
               <a:rPr lang="de-DE" altLang="zh-CN"/>
               <a:pPr/>
-              <a:t>‹#›</a:t>
+              <a:t>‹Nr.›</a:t>
             </a:fld>
             <a:endParaRPr lang="de-DE" altLang="zh-CN"/>
           </a:p>
@@ -728,7 +720,7 @@
     </p:spTree>
     <p:extLst>
       <p:ext uri="{BB962C8B-B14F-4D97-AF65-F5344CB8AC3E}">
-        <p14:creationId xmlns:p14="http://schemas.microsoft.com/office/powerpoint/2010/main" xmlns="" val="1086099381"/>
+        <p14:creationId xmlns:p14="http://schemas.microsoft.com/office/powerpoint/2010/main" val="1086099381"/>
       </p:ext>
     </p:extLst>
   </p:cSld>
@@ -1096,7 +1088,7 @@
             <a:fld id="{56F1C4B0-B01D-4E3E-868E-1A3AEF893EE8}" type="slidenum">
               <a:rPr lang="en-US"/>
               <a:pPr/>
-              <a:t>‹#›</a:t>
+              <a:t>‹Nr.›</a:t>
             </a:fld>
             <a:endParaRPr lang="en-US"/>
           </a:p>
@@ -1510,7 +1502,7 @@
             <a:fld id="{FAF38CBB-378C-4311-BC9A-BAB83E9729AD}" type="slidenum">
               <a:rPr lang="en-US"/>
               <a:pPr/>
-              <a:t>‹#›</a:t>
+              <a:t>‹Nr.›</a:t>
             </a:fld>
             <a:endParaRPr lang="en-US"/>
           </a:p>
@@ -1958,7 +1950,7 @@
             <a:fld id="{9DF0B80C-AC1E-488D-89EA-02AEDD3013AE}" type="slidenum">
               <a:rPr lang="en-US"/>
               <a:pPr/>
-              <a:t>‹#›</a:t>
+              <a:t>‹Nr.›</a:t>
             </a:fld>
             <a:endParaRPr lang="en-US"/>
           </a:p>
@@ -2308,7 +2300,7 @@
             <a:fld id="{614C5746-3CE9-455D-A260-C5619E738A39}" type="slidenum">
               <a:rPr lang="en-US"/>
               <a:pPr/>
-              <a:t>‹#›</a:t>
+              <a:t>‹Nr.›</a:t>
             </a:fld>
             <a:endParaRPr lang="en-US"/>
           </a:p>
@@ -3288,17 +3280,17 @@
       </p:sp>
       <p:pic>
         <p:nvPicPr>
-          <p:cNvPr id="3074" name="Picture 2"/>
+          <p:cNvPr id="1026" name="Picture 2"/>
           <p:cNvPicPr>
             <a:picLocks noChangeAspect="1" noChangeArrowheads="1"/>
           </p:cNvPicPr>
           <p:nvPr/>
         </p:nvPicPr>
         <p:blipFill>
-          <a:blip r:embed="rId2" cstate="print">
+          <a:blip r:embed="rId2">
             <a:extLst>
               <a:ext uri="{28A0092B-C50C-407E-A947-70E740481C1C}">
-                <a14:useLocalDpi xmlns:a14="http://schemas.microsoft.com/office/drawing/2010/main" xmlns="" val="0"/>
+                <a14:useLocalDpi xmlns:a14="http://schemas.microsoft.com/office/drawing/2010/main" val="0"/>
               </a:ext>
             </a:extLst>
           </a:blip>
@@ -3309,8 +3301,8 @@
         </p:blipFill>
         <p:spPr bwMode="auto">
           <a:xfrm>
-            <a:off x="457200" y="1226159"/>
-            <a:ext cx="6911237" cy="5336048"/>
+            <a:off x="889084" y="1230585"/>
+            <a:ext cx="6315075" cy="5124450"/>
           </a:xfrm>
           <a:prstGeom prst="rect">
             <a:avLst/>
@@ -3319,17 +3311,16 @@
           <a:ln>
             <a:noFill/>
           </a:ln>
-          <a:effectLst/>
           <a:extLst>
             <a:ext uri="{909E8E84-426E-40DD-AFC4-6F175D3DCCD1}">
-              <a14:hiddenFill xmlns:a14="http://schemas.microsoft.com/office/drawing/2010/main" xmlns="">
+              <a14:hiddenFill xmlns:a14="http://schemas.microsoft.com/office/drawing/2010/main">
                 <a:solidFill>
                   <a:schemeClr val="accent1"/>
                 </a:solidFill>
               </a14:hiddenFill>
             </a:ext>
             <a:ext uri="{91240B29-F687-4F45-9708-019B960494DF}">
-              <a14:hiddenLine xmlns:a14="http://schemas.microsoft.com/office/drawing/2010/main" xmlns="" w="9525">
+              <a14:hiddenLine xmlns:a14="http://schemas.microsoft.com/office/drawing/2010/main" w="9525">
                 <a:solidFill>
                   <a:schemeClr val="tx1"/>
                 </a:solidFill>
@@ -3338,22 +3329,13 @@
                 <a:tailEnd/>
               </a14:hiddenLine>
             </a:ext>
-            <a:ext uri="{AF507438-7753-43E0-B8FC-AC1667EBCBE1}">
-              <a14:hiddenEffects xmlns:a14="http://schemas.microsoft.com/office/drawing/2010/main" xmlns="">
-                <a:effectLst>
-                  <a:outerShdw dist="35921" dir="2700000" algn="ctr" rotWithShape="0">
-                    <a:schemeClr val="bg2"/>
-                  </a:outerShdw>
-                </a:effectLst>
-              </a14:hiddenEffects>
-            </a:ext>
           </a:extLst>
         </p:spPr>
       </p:pic>
     </p:spTree>
     <p:extLst>
       <p:ext uri="{BB962C8B-B14F-4D97-AF65-F5344CB8AC3E}">
-        <p14:creationId xmlns:p14="http://schemas.microsoft.com/office/powerpoint/2010/main" xmlns="" val="1907538874"/>
+        <p14:creationId xmlns:p14="http://schemas.microsoft.com/office/powerpoint/2010/main" val="1907538874"/>
       </p:ext>
     </p:extLst>
   </p:cSld>
@@ -3487,17 +3469,17 @@
       </p:sp>
       <p:pic>
         <p:nvPicPr>
-          <p:cNvPr id="1026" name="Picture 2"/>
+          <p:cNvPr id="2050" name="Picture 2"/>
           <p:cNvPicPr>
             <a:picLocks noChangeAspect="1" noChangeArrowheads="1"/>
           </p:cNvPicPr>
           <p:nvPr/>
         </p:nvPicPr>
         <p:blipFill>
-          <a:blip r:embed="rId2" cstate="print">
+          <a:blip r:embed="rId2">
             <a:extLst>
               <a:ext uri="{28A0092B-C50C-407E-A947-70E740481C1C}">
-                <a14:useLocalDpi xmlns:a14="http://schemas.microsoft.com/office/drawing/2010/main" xmlns="" val="0"/>
+                <a14:useLocalDpi xmlns:a14="http://schemas.microsoft.com/office/drawing/2010/main" val="0"/>
               </a:ext>
             </a:extLst>
           </a:blip>
@@ -3508,8 +3490,8 @@
         </p:blipFill>
         <p:spPr bwMode="auto">
           <a:xfrm>
-            <a:off x="1548141" y="1201014"/>
-            <a:ext cx="5735375" cy="5442673"/>
+            <a:off x="1158843" y="1065213"/>
+            <a:ext cx="5600510" cy="5343682"/>
           </a:xfrm>
           <a:prstGeom prst="rect">
             <a:avLst/>
@@ -3520,14 +3502,14 @@
           </a:ln>
           <a:extLst>
             <a:ext uri="{909E8E84-426E-40DD-AFC4-6F175D3DCCD1}">
-              <a14:hiddenFill xmlns:a14="http://schemas.microsoft.com/office/drawing/2010/main" xmlns="">
+              <a14:hiddenFill xmlns:a14="http://schemas.microsoft.com/office/drawing/2010/main">
                 <a:solidFill>
                   <a:schemeClr val="accent1"/>
                 </a:solidFill>
               </a14:hiddenFill>
             </a:ext>
             <a:ext uri="{91240B29-F687-4F45-9708-019B960494DF}">
-              <a14:hiddenLine xmlns:a14="http://schemas.microsoft.com/office/drawing/2010/main" xmlns="" w="9525">
+              <a14:hiddenLine xmlns:a14="http://schemas.microsoft.com/office/drawing/2010/main" w="9525">
                 <a:solidFill>
                   <a:schemeClr val="tx1"/>
                 </a:solidFill>
@@ -3542,7 +3524,7 @@
     </p:spTree>
     <p:extLst>
       <p:ext uri="{BB962C8B-B14F-4D97-AF65-F5344CB8AC3E}">
-        <p14:creationId xmlns:p14="http://schemas.microsoft.com/office/powerpoint/2010/main" xmlns="" val="2764248952"/>
+        <p14:creationId xmlns:p14="http://schemas.microsoft.com/office/powerpoint/2010/main" val="2764248952"/>
       </p:ext>
     </p:extLst>
   </p:cSld>
@@ -3622,29 +3604,8 @@
           <a:p>
             <a:r>
               <a:rPr lang="en-GB" altLang="zh-CN" dirty="0" smtClean="0"/>
-              <a:t>Explore </a:t>
-            </a:r>
-            <a:r>
-              <a:rPr lang="en-GB" altLang="zh-CN" dirty="0" smtClean="0"/>
-              <a:t>security </a:t>
-            </a:r>
-            <a:r>
-              <a:rPr lang="en-GB" altLang="zh-CN" dirty="0" smtClean="0"/>
-              <a:t>benefits brought by </a:t>
-            </a:r>
-            <a:r>
-              <a:rPr lang="en-GB" altLang="zh-CN" dirty="0" smtClean="0"/>
-              <a:t>integration of smart </a:t>
-            </a:r>
-            <a:r>
-              <a:rPr lang="en-GB" altLang="zh-CN" dirty="0" smtClean="0"/>
-              <a:t>card </a:t>
-            </a:r>
-            <a:r>
-              <a:rPr lang="en-GB" altLang="zh-CN" dirty="0" smtClean="0"/>
-              <a:t>technology</a:t>
-            </a:r>
-            <a:endParaRPr lang="en-GB" altLang="zh-CN" dirty="0" smtClean="0"/>
+              <a:t>Explore security benefits brought by integration of smart card technology</a:t>
+            </a:r>
           </a:p>
           <a:p>
             <a:r>
@@ -3811,69 +3772,28 @@
             <a:pPr lvl="1"/>
             <a:r>
               <a:rPr lang="en-US" altLang="zh-CN" dirty="0" smtClean="0"/>
-              <a:t>Demonstrate feasibility and analyze security </a:t>
-            </a:r>
+              <a:t>Demonstrate feasibility and analyze security as well as efficiency of my proposal </a:t>
+            </a:r>
+          </a:p>
+          <a:p>
+            <a:pPr lvl="1"/>
             <a:r>
               <a:rPr lang="en-US" altLang="zh-CN" dirty="0" smtClean="0"/>
-              <a:t>as well as efficiency </a:t>
-            </a:r>
+              <a:t>With the help of attack-tree-graph step by step analyze typical and potential attack against designed system</a:t>
+            </a:r>
+          </a:p>
+          <a:p>
+            <a:pPr lvl="1"/>
             <a:r>
               <a:rPr lang="en-US" altLang="zh-CN" dirty="0" smtClean="0"/>
-              <a:t>of </a:t>
-            </a:r>
+              <a:t>Propose appropriate countermeasures</a:t>
+            </a:r>
+          </a:p>
+          <a:p>
+            <a:pPr lvl="1"/>
             <a:r>
               <a:rPr lang="en-US" altLang="zh-CN" dirty="0" smtClean="0"/>
-              <a:t>my proposal </a:t>
-            </a:r>
-          </a:p>
-          <a:p>
-            <a:pPr lvl="1"/>
-            <a:r>
-              <a:rPr lang="en-US" altLang="zh-CN" dirty="0" smtClean="0"/>
-              <a:t>W</a:t>
-            </a:r>
-            <a:r>
-              <a:rPr lang="en-US" altLang="zh-CN" dirty="0" smtClean="0"/>
-              <a:t>ith </a:t>
-            </a:r>
-            <a:r>
-              <a:rPr lang="en-US" altLang="zh-CN" dirty="0" smtClean="0"/>
-              <a:t>the help of attack-tree-graph step by step analyze </a:t>
-            </a:r>
-            <a:r>
-              <a:rPr lang="en-US" altLang="zh-CN" dirty="0" smtClean="0"/>
-              <a:t>typical and </a:t>
-            </a:r>
-            <a:r>
-              <a:rPr lang="en-US" altLang="zh-CN" dirty="0" smtClean="0"/>
-              <a:t>potential attack against designed system</a:t>
-            </a:r>
-          </a:p>
-          <a:p>
-            <a:pPr lvl="1"/>
-            <a:r>
-              <a:rPr lang="en-US" altLang="zh-CN" dirty="0" smtClean="0"/>
-              <a:t>Propose appropriate</a:t>
-            </a:r>
-            <a:r>
-              <a:rPr lang="en-US" altLang="zh-CN" dirty="0" smtClean="0"/>
-              <a:t> </a:t>
-            </a:r>
-            <a:r>
-              <a:rPr lang="en-US" altLang="zh-CN" dirty="0" smtClean="0"/>
-              <a:t>countermeasures</a:t>
-            </a:r>
-            <a:endParaRPr lang="en-US" altLang="zh-CN" dirty="0" smtClean="0"/>
-          </a:p>
-          <a:p>
-            <a:pPr lvl="1"/>
-            <a:r>
-              <a:rPr lang="en-US" altLang="zh-CN" dirty="0" smtClean="0"/>
-              <a:t>Analyze </a:t>
-            </a:r>
-            <a:r>
-              <a:rPr lang="en-US" altLang="zh-CN" dirty="0" smtClean="0"/>
-              <a:t>performance of system</a:t>
+              <a:t>Analyze performance of system</a:t>
             </a:r>
           </a:p>
           <a:p>
@@ -3976,7 +3896,7 @@
     </p:spTree>
     <p:extLst>
       <p:ext uri="{BB962C8B-B14F-4D97-AF65-F5344CB8AC3E}">
-        <p14:creationId xmlns:p14="http://schemas.microsoft.com/office/powerpoint/2010/main" xmlns="" val="801672563"/>
+        <p14:creationId xmlns:p14="http://schemas.microsoft.com/office/powerpoint/2010/main" val="801672563"/>
       </p:ext>
     </p:extLst>
   </p:cSld>
@@ -4055,11 +3975,7 @@
           <a:p>
             <a:r>
               <a:rPr lang="en-US" altLang="zh-CN" dirty="0" smtClean="0"/>
-              <a:t>Design and prototype OPC UA compliant communication stack on secure hardware </a:t>
-            </a:r>
-            <a:r>
-              <a:rPr lang="en-US" altLang="zh-CN" dirty="0" smtClean="0"/>
-              <a:t>elements</a:t>
+              <a:t>Design and prototype OPC UA compliant communication stack on secure hardware elements</a:t>
             </a:r>
           </a:p>
           <a:p>
@@ -4073,11 +3989,7 @@
             <a:pPr lvl="1"/>
             <a:r>
               <a:rPr lang="en-US" altLang="zh-CN" dirty="0" smtClean="0"/>
-              <a:t>Extends </a:t>
-            </a:r>
-            <a:r>
-              <a:rPr lang="en-US" altLang="zh-CN" dirty="0" smtClean="0"/>
-              <a:t>APIs from </a:t>
+              <a:t>Extends APIs from </a:t>
             </a:r>
             <a:r>
               <a:rPr lang="en-US" altLang="zh-CN" dirty="0" err="1" smtClean="0"/>
@@ -4486,7 +4398,7 @@
           <a:blip r:embed="rId2" cstate="print">
             <a:extLst>
               <a:ext uri="{28A0092B-C50C-407E-A947-70E740481C1C}">
-                <a14:useLocalDpi xmlns:a14="http://schemas.microsoft.com/office/drawing/2010/main" xmlns="" val="0"/>
+                <a14:useLocalDpi xmlns:a14="http://schemas.microsoft.com/office/drawing/2010/main" val="0"/>
               </a:ext>
             </a:extLst>
           </a:blip>
@@ -4510,14 +4422,14 @@
           <a:effectLst/>
           <a:extLst>
             <a:ext uri="{909E8E84-426E-40DD-AFC4-6F175D3DCCD1}">
-              <a14:hiddenFill xmlns:a14="http://schemas.microsoft.com/office/drawing/2010/main" xmlns="">
+              <a14:hiddenFill xmlns:a14="http://schemas.microsoft.com/office/drawing/2010/main">
                 <a:solidFill>
                   <a:schemeClr val="accent1"/>
                 </a:solidFill>
               </a14:hiddenFill>
             </a:ext>
             <a:ext uri="{91240B29-F687-4F45-9708-019B960494DF}">
-              <a14:hiddenLine xmlns:a14="http://schemas.microsoft.com/office/drawing/2010/main" xmlns="" w="9525">
+              <a14:hiddenLine xmlns:a14="http://schemas.microsoft.com/office/drawing/2010/main" w="9525">
                 <a:solidFill>
                   <a:schemeClr val="tx1"/>
                 </a:solidFill>
@@ -4527,7 +4439,7 @@
               </a14:hiddenLine>
             </a:ext>
             <a:ext uri="{AF507438-7753-43E0-B8FC-AC1667EBCBE1}">
-              <a14:hiddenEffects xmlns:a14="http://schemas.microsoft.com/office/drawing/2010/main" xmlns="">
+              <a14:hiddenEffects xmlns:a14="http://schemas.microsoft.com/office/drawing/2010/main">
                 <a:effectLst>
                   <a:outerShdw dist="35921" dir="2700000" algn="ctr" rotWithShape="0">
                     <a:schemeClr val="bg2"/>
@@ -4541,7 +4453,7 @@
     </p:spTree>
     <p:extLst>
       <p:ext uri="{BB962C8B-B14F-4D97-AF65-F5344CB8AC3E}">
-        <p14:creationId xmlns:p14="http://schemas.microsoft.com/office/powerpoint/2010/main" xmlns="" val="393107339"/>
+        <p14:creationId xmlns:p14="http://schemas.microsoft.com/office/powerpoint/2010/main" val="393107339"/>
       </p:ext>
     </p:extLst>
   </p:cSld>
@@ -6816,7 +6728,7 @@
           <a:blip r:embed="rId2" cstate="print">
             <a:extLst>
               <a:ext uri="{28A0092B-C50C-407E-A947-70E740481C1C}">
-                <a14:useLocalDpi xmlns:a14="http://schemas.microsoft.com/office/drawing/2010/main" xmlns="" val="0"/>
+                <a14:useLocalDpi xmlns:a14="http://schemas.microsoft.com/office/drawing/2010/main" val="0"/>
               </a:ext>
             </a:extLst>
           </a:blip>
@@ -6836,7 +6748,7 @@
           <a:noFill/>
           <a:extLst>
             <a:ext uri="{909E8E84-426E-40DD-AFC4-6F175D3DCCD1}">
-              <a14:hiddenFill xmlns:a14="http://schemas.microsoft.com/office/drawing/2010/main" xmlns="">
+              <a14:hiddenFill xmlns:a14="http://schemas.microsoft.com/office/drawing/2010/main">
                 <a:solidFill>
                   <a:srgbClr val="FFFFFF"/>
                 </a:solidFill>
@@ -7298,7 +7210,7 @@
     </p:spTree>
     <p:extLst>
       <p:ext uri="{BB962C8B-B14F-4D97-AF65-F5344CB8AC3E}">
-        <p14:creationId xmlns:p14="http://schemas.microsoft.com/office/powerpoint/2010/main" xmlns="" val="4033009092"/>
+        <p14:creationId xmlns:p14="http://schemas.microsoft.com/office/powerpoint/2010/main" val="4033009092"/>
       </p:ext>
     </p:extLst>
   </p:cSld>
@@ -7566,7 +7478,7 @@
     </p:spTree>
     <p:extLst>
       <p:ext uri="{BB962C8B-B14F-4D97-AF65-F5344CB8AC3E}">
-        <p14:creationId xmlns:p14="http://schemas.microsoft.com/office/powerpoint/2010/main" xmlns="" val="3208899163"/>
+        <p14:creationId xmlns:p14="http://schemas.microsoft.com/office/powerpoint/2010/main" val="3208899163"/>
       </p:ext>
     </p:extLst>
   </p:cSld>
@@ -7706,7 +7618,7 @@
           <a:blip r:embed="rId2" cstate="print">
             <a:extLst>
               <a:ext uri="{28A0092B-C50C-407E-A947-70E740481C1C}">
-                <a14:useLocalDpi xmlns:a14="http://schemas.microsoft.com/office/drawing/2010/main" xmlns="" val="0"/>
+                <a14:useLocalDpi xmlns:a14="http://schemas.microsoft.com/office/drawing/2010/main" val="0"/>
               </a:ext>
             </a:extLst>
           </a:blip>
@@ -7726,7 +7638,7 @@
           <a:noFill/>
           <a:extLst>
             <a:ext uri="{909E8E84-426E-40DD-AFC4-6F175D3DCCD1}">
-              <a14:hiddenFill xmlns:a14="http://schemas.microsoft.com/office/drawing/2010/main" xmlns="">
+              <a14:hiddenFill xmlns:a14="http://schemas.microsoft.com/office/drawing/2010/main">
                 <a:solidFill>
                   <a:srgbClr val="FFFFFF"/>
                 </a:solidFill>
@@ -7881,7 +7793,7 @@
     </p:spTree>
     <p:extLst>
       <p:ext uri="{BB962C8B-B14F-4D97-AF65-F5344CB8AC3E}">
-        <p14:creationId xmlns:p14="http://schemas.microsoft.com/office/powerpoint/2010/main" xmlns="" val="2869239699"/>
+        <p14:creationId xmlns:p14="http://schemas.microsoft.com/office/powerpoint/2010/main" val="2869239699"/>
       </p:ext>
     </p:extLst>
   </p:cSld>
@@ -8021,7 +7933,7 @@
           <a:blip r:embed="rId2" cstate="print">
             <a:extLst>
               <a:ext uri="{28A0092B-C50C-407E-A947-70E740481C1C}">
-                <a14:useLocalDpi xmlns:a14="http://schemas.microsoft.com/office/drawing/2010/main" xmlns="" val="0"/>
+                <a14:useLocalDpi xmlns:a14="http://schemas.microsoft.com/office/drawing/2010/main" val="0"/>
               </a:ext>
             </a:extLst>
           </a:blip>
@@ -8041,7 +7953,7 @@
           <a:noFill/>
           <a:extLst>
             <a:ext uri="{909E8E84-426E-40DD-AFC4-6F175D3DCCD1}">
-              <a14:hiddenFill xmlns:a14="http://schemas.microsoft.com/office/drawing/2010/main" xmlns="">
+              <a14:hiddenFill xmlns:a14="http://schemas.microsoft.com/office/drawing/2010/main">
                 <a:solidFill>
                   <a:srgbClr val="FFFFFF"/>
                 </a:solidFill>
@@ -8201,7 +8113,7 @@
     </p:spTree>
     <p:extLst>
       <p:ext uri="{BB962C8B-B14F-4D97-AF65-F5344CB8AC3E}">
-        <p14:creationId xmlns:p14="http://schemas.microsoft.com/office/powerpoint/2010/main" xmlns="" val="2958167277"/>
+        <p14:creationId xmlns:p14="http://schemas.microsoft.com/office/powerpoint/2010/main" val="2958167277"/>
       </p:ext>
     </p:extLst>
   </p:cSld>
@@ -8341,7 +8253,7 @@
           <a:blip r:embed="rId2" cstate="print">
             <a:extLst>
               <a:ext uri="{28A0092B-C50C-407E-A947-70E740481C1C}">
-                <a14:useLocalDpi xmlns:a14="http://schemas.microsoft.com/office/drawing/2010/main" xmlns="" val="0"/>
+                <a14:useLocalDpi xmlns:a14="http://schemas.microsoft.com/office/drawing/2010/main" val="0"/>
               </a:ext>
             </a:extLst>
           </a:blip>
@@ -8365,14 +8277,14 @@
           <a:effectLst/>
           <a:extLst>
             <a:ext uri="{909E8E84-426E-40DD-AFC4-6F175D3DCCD1}">
-              <a14:hiddenFill xmlns:a14="http://schemas.microsoft.com/office/drawing/2010/main" xmlns="">
+              <a14:hiddenFill xmlns:a14="http://schemas.microsoft.com/office/drawing/2010/main">
                 <a:solidFill>
                   <a:schemeClr val="accent1"/>
                 </a:solidFill>
               </a14:hiddenFill>
             </a:ext>
             <a:ext uri="{91240B29-F687-4F45-9708-019B960494DF}">
-              <a14:hiddenLine xmlns:a14="http://schemas.microsoft.com/office/drawing/2010/main" xmlns="" w="9525">
+              <a14:hiddenLine xmlns:a14="http://schemas.microsoft.com/office/drawing/2010/main" w="9525">
                 <a:solidFill>
                   <a:schemeClr val="tx1"/>
                 </a:solidFill>
@@ -8382,7 +8294,7 @@
               </a14:hiddenLine>
             </a:ext>
             <a:ext uri="{AF507438-7753-43E0-B8FC-AC1667EBCBE1}">
-              <a14:hiddenEffects xmlns:a14="http://schemas.microsoft.com/office/drawing/2010/main" xmlns="">
+              <a14:hiddenEffects xmlns:a14="http://schemas.microsoft.com/office/drawing/2010/main">
                 <a:effectLst>
                   <a:outerShdw dist="35921" dir="2700000" algn="ctr" rotWithShape="0">
                     <a:schemeClr val="bg2"/>
@@ -8396,7 +8308,7 @@
     </p:spTree>
     <p:extLst>
       <p:ext uri="{BB962C8B-B14F-4D97-AF65-F5344CB8AC3E}">
-        <p14:creationId xmlns:p14="http://schemas.microsoft.com/office/powerpoint/2010/main" xmlns="" val="1005707622"/>
+        <p14:creationId xmlns:p14="http://schemas.microsoft.com/office/powerpoint/2010/main" val="1005707622"/>
       </p:ext>
     </p:extLst>
   </p:cSld>
